--- a/Apresentação - Desenvolvimento Java.pptx
+++ b/Apresentação - Desenvolvimento Java.pptx
@@ -5,7 +5,7 @@
     <p:sldMasterId id="2147483648" r:id="rId1"/>
   </p:sldMasterIdLst>
   <p:notesMasterIdLst>
-    <p:notesMasterId r:id="rId20"/>
+    <p:notesMasterId r:id="rId19"/>
   </p:notesMasterIdLst>
   <p:sldIdLst>
     <p:sldId id="256" r:id="rId2"/>
@@ -21,11 +21,10 @@
     <p:sldId id="342" r:id="rId12"/>
     <p:sldId id="343" r:id="rId13"/>
     <p:sldId id="284" r:id="rId14"/>
-    <p:sldId id="276" r:id="rId15"/>
-    <p:sldId id="279" r:id="rId16"/>
-    <p:sldId id="336" r:id="rId17"/>
-    <p:sldId id="341" r:id="rId18"/>
-    <p:sldId id="309" r:id="rId19"/>
+    <p:sldId id="279" r:id="rId15"/>
+    <p:sldId id="336" r:id="rId16"/>
+    <p:sldId id="341" r:id="rId17"/>
+    <p:sldId id="309" r:id="rId18"/>
   </p:sldIdLst>
   <p:sldSz cx="9144000" cy="5143500" type="screen16x9"/>
   <p:notesSz cx="6858000" cy="9144000"/>
@@ -6682,100 +6681,6 @@
       </p:grpSpPr>
       <p:sp>
         <p:nvSpPr>
-          <p:cNvPr id="6" name="Espaço Reservado para Número de Slide 5">
-            <a:extLst>
-              <a:ext uri="{FF2B5EF4-FFF2-40B4-BE49-F238E27FC236}">
-                <a16:creationId xmlns:a16="http://schemas.microsoft.com/office/drawing/2014/main" id="{391249D3-C59D-41E6-AF88-D8DF193EA7EB}"/>
-              </a:ext>
-            </a:extLst>
-          </p:cNvPr>
-          <p:cNvSpPr>
-            <a:spLocks noGrp="1"/>
-          </p:cNvSpPr>
-          <p:nvPr>
-            <p:ph type="sldNum" sz="quarter" idx="12"/>
-          </p:nvPr>
-        </p:nvSpPr>
-        <p:spPr>
-          <a:xfrm>
-            <a:off x="8424556" y="4765688"/>
-            <a:ext cx="262247" cy="276995"/>
-          </a:xfrm>
-        </p:spPr>
-        <p:txBody>
-          <a:bodyPr/>
-          <a:lstStyle/>
-          <a:p>
-            <a:fld id="{E50FAC2A-6E90-4BEA-B3BF-15B8E63C5B7E}" type="slidenum">
-              <a:rPr lang="pt-BR" smtClean="0"/>
-              <a:pPr/>
-              <a:t>14</a:t>
-            </a:fld>
-            <a:endParaRPr lang="pt-BR"/>
-          </a:p>
-        </p:txBody>
-      </p:sp>
-      <p:pic>
-        <p:nvPicPr>
-          <p:cNvPr id="12" name="Imagem 11">
-            <a:extLst>
-              <a:ext uri="{FF2B5EF4-FFF2-40B4-BE49-F238E27FC236}">
-                <a16:creationId xmlns:a16="http://schemas.microsoft.com/office/drawing/2014/main" id="{307DB86B-02F5-765F-6C40-9BE4F9FD2FF2}"/>
-              </a:ext>
-            </a:extLst>
-          </p:cNvPr>
-          <p:cNvPicPr>
-            <a:picLocks noChangeAspect="1"/>
-          </p:cNvPicPr>
-          <p:nvPr/>
-        </p:nvPicPr>
-        <p:blipFill rotWithShape="1">
-          <a:blip r:embed="rId2"/>
-          <a:srcRect b="1141"/>
-          <a:stretch/>
-        </p:blipFill>
-        <p:spPr>
-          <a:xfrm>
-            <a:off x="79512" y="1"/>
-            <a:ext cx="8706678" cy="4750904"/>
-          </a:xfrm>
-          <a:prstGeom prst="rect">
-            <a:avLst/>
-          </a:prstGeom>
-        </p:spPr>
-      </p:pic>
-    </p:spTree>
-    <p:extLst>
-      <p:ext uri="{BB962C8B-B14F-4D97-AF65-F5344CB8AC3E}">
-        <p14:creationId xmlns:p14="http://schemas.microsoft.com/office/powerpoint/2010/main" val="2053586027"/>
-      </p:ext>
-    </p:extLst>
-  </p:cSld>
-  <p:clrMapOvr>
-    <a:masterClrMapping/>
-  </p:clrMapOvr>
-</p:sld>
-</file>
-
-<file path=ppt/slides/slide15.xml><?xml version="1.0" encoding="utf-8"?>
-<p:sld xmlns:a="http://schemas.openxmlformats.org/drawingml/2006/main" xmlns:r="http://schemas.openxmlformats.org/officeDocument/2006/relationships" xmlns:p="http://schemas.openxmlformats.org/presentationml/2006/main">
-  <p:cSld>
-    <p:spTree>
-      <p:nvGrpSpPr>
-        <p:cNvPr id="1" name=""/>
-        <p:cNvGrpSpPr/>
-        <p:nvPr/>
-      </p:nvGrpSpPr>
-      <p:grpSpPr>
-        <a:xfrm>
-          <a:off x="0" y="0"/>
-          <a:ext cx="0" cy="0"/>
-          <a:chOff x="0" y="0"/>
-          <a:chExt cx="0" cy="0"/>
-        </a:xfrm>
-      </p:grpSpPr>
-      <p:sp>
-        <p:nvSpPr>
           <p:cNvPr id="2" name="Título 1">
             <a:extLst>
               <a:ext uri="{FF2B5EF4-FFF2-40B4-BE49-F238E27FC236}">
@@ -6835,7 +6740,7 @@
                   <a:srgbClr val="0070C0"/>
                 </a:solidFill>
               </a:rPr>
-              <a:t> 2024.1</a:t>
+              <a:t> 2025.2</a:t>
             </a:r>
             <a:endParaRPr lang="en-US" sz="2400" dirty="0">
               <a:latin typeface="Calibri"/>
@@ -6863,7 +6768,7 @@
         <p:spPr/>
         <p:txBody>
           <a:bodyPr>
-            <a:normAutofit/>
+            <a:normAutofit fontScale="92500" lnSpcReduction="10000"/>
           </a:bodyPr>
           <a:lstStyle/>
           <a:p>
@@ -6903,7 +6808,7 @@
                 <a:latin typeface="Times New Roman" panose="02020603050405020304" pitchFamily="18" charset="0"/>
                 <a:cs typeface="Times New Roman" panose="02020603050405020304" pitchFamily="18" charset="0"/>
               </a:rPr>
-              <a:t>Avaliando o Aprendizado 2 (Online)</a:t>
+              <a:t>Avaliando o Aprendizado 2 (Presencial)</a:t>
             </a:r>
             <a:endParaRPr lang="pt-BR" sz="2000" b="1" dirty="0">
               <a:solidFill>
@@ -6933,13 +6838,37 @@
               </a:rPr>
               <a:t>AV (Presencial)</a:t>
             </a:r>
-            <a:endParaRPr lang="pt-BR" sz="2000" dirty="0">
+          </a:p>
+          <a:p>
+            <a:endParaRPr lang="pt-BR" sz="2000" b="1" dirty="0">
               <a:solidFill>
                 <a:schemeClr val="tx1"/>
               </a:solidFill>
               <a:latin typeface="Times New Roman" panose="02020603050405020304" pitchFamily="18" charset="0"/>
               <a:cs typeface="Times New Roman" panose="02020603050405020304" pitchFamily="18" charset="0"/>
             </a:endParaRPr>
+          </a:p>
+          <a:p>
+            <a:r>
+              <a:rPr lang="pt-BR" sz="2000" b="1" dirty="0">
+                <a:solidFill>
+                  <a:srgbClr val="FF0000"/>
+                </a:solidFill>
+                <a:latin typeface="Times New Roman" panose="02020603050405020304" pitchFamily="18" charset="0"/>
+                <a:cs typeface="Times New Roman" panose="02020603050405020304" pitchFamily="18" charset="0"/>
+              </a:rPr>
+              <a:t>AVS Final </a:t>
+            </a:r>
+            <a:r>
+              <a:rPr lang="pt-BR" sz="2000" b="1" dirty="0">
+                <a:solidFill>
+                  <a:schemeClr val="tx1"/>
+                </a:solidFill>
+                <a:latin typeface="Times New Roman" panose="02020603050405020304" pitchFamily="18" charset="0"/>
+                <a:cs typeface="Times New Roman" panose="02020603050405020304" pitchFamily="18" charset="0"/>
+              </a:rPr>
+              <a:t>(Presencial)</a:t>
+            </a:r>
           </a:p>
           <a:p>
             <a:endParaRPr lang="pt-BR" sz="2000" b="1" dirty="0">
@@ -6959,7 +6888,17 @@
                 <a:latin typeface="Times New Roman" panose="02020603050405020304" pitchFamily="18" charset="0"/>
                 <a:cs typeface="Times New Roman" panose="02020603050405020304" pitchFamily="18" charset="0"/>
               </a:rPr>
-              <a:t>FIM DO SEMESTRE LETIVO</a:t>
+              <a:t>FIM DO </a:t>
+            </a:r>
+            <a:r>
+              <a:rPr lang="pt-BR" sz="2000" b="1">
+                <a:solidFill>
+                  <a:srgbClr val="002060"/>
+                </a:solidFill>
+                <a:latin typeface="Times New Roman" panose="02020603050405020304" pitchFamily="18" charset="0"/>
+                <a:cs typeface="Times New Roman" panose="02020603050405020304" pitchFamily="18" charset="0"/>
+              </a:rPr>
+              <a:t>SEMESTRE LETIVO - DEZEMBRO</a:t>
             </a:r>
             <a:endParaRPr lang="pt-BR" sz="2000" b="1" dirty="0">
               <a:solidFill>
@@ -7000,7 +6939,7 @@
             <a:fld id="{E50FAC2A-6E90-4BEA-B3BF-15B8E63C5B7E}" type="slidenum">
               <a:rPr lang="pt-BR" smtClean="0"/>
               <a:pPr/>
-              <a:t>15</a:t>
+              <a:t>14</a:t>
             </a:fld>
             <a:endParaRPr lang="pt-BR"/>
           </a:p>
@@ -7019,7 +6958,7 @@
 </p:sld>
 </file>
 
-<file path=ppt/slides/slide16.xml><?xml version="1.0" encoding="utf-8"?>
+<file path=ppt/slides/slide15.xml><?xml version="1.0" encoding="utf-8"?>
 <p:sld xmlns:a="http://schemas.openxmlformats.org/drawingml/2006/main" xmlns:r="http://schemas.openxmlformats.org/officeDocument/2006/relationships" xmlns:p="http://schemas.openxmlformats.org/presentationml/2006/main">
   <p:cSld>
     <p:spTree>
@@ -7394,7 +7333,7 @@
 </p:sld>
 </file>
 
-<file path=ppt/slides/slide17.xml><?xml version="1.0" encoding="utf-8"?>
+<file path=ppt/slides/slide16.xml><?xml version="1.0" encoding="utf-8"?>
 <p:sld xmlns:a="http://schemas.openxmlformats.org/drawingml/2006/main" xmlns:r="http://schemas.openxmlformats.org/officeDocument/2006/relationships" xmlns:p="http://schemas.openxmlformats.org/presentationml/2006/main">
   <p:cSld>
     <p:spTree>
@@ -7949,7 +7888,7 @@
 </p:sld>
 </file>
 
-<file path=ppt/slides/slide18.xml><?xml version="1.0" encoding="utf-8"?>
+<file path=ppt/slides/slide17.xml><?xml version="1.0" encoding="utf-8"?>
 <p:sld xmlns:a="http://schemas.openxmlformats.org/drawingml/2006/main" xmlns:r="http://schemas.openxmlformats.org/officeDocument/2006/relationships" xmlns:p="http://schemas.openxmlformats.org/presentationml/2006/main">
   <p:cSld>
     <p:spTree>
@@ -9689,7 +9628,7 @@
                 <a:latin typeface="Times New Roman" panose="02020603050405020304" pitchFamily="18" charset="0"/>
                 <a:cs typeface="Times New Roman" panose="02020603050405020304" pitchFamily="18" charset="0"/>
               </a:rPr>
-              <a:t>Analista de Sistemas, Lider SCRUM, Consultor e Docente</a:t>
+              <a:t>Analista de Sistemas; Lider SCRUM; Consultor e Docente</a:t>
             </a:r>
             <a:endParaRPr lang="pt-BR" altLang="pt-BR" sz="2400" b="1" dirty="0">
               <a:solidFill>
@@ -9705,24 +9644,11 @@
               <a:buChar char="ü"/>
             </a:pPr>
             <a:r>
-              <a:rPr lang="pt-BR" altLang="pt-BR" sz="2400" b="1" dirty="0">
-                <a:solidFill>
-                  <a:srgbClr val="0070C0"/>
-                </a:solidFill>
-                <a:latin typeface="Times New Roman" panose="02020603050405020304" pitchFamily="18" charset="0"/>
-                <a:cs typeface="Times New Roman" panose="02020603050405020304" pitchFamily="18" charset="0"/>
-              </a:rPr>
-              <a:t>Licenciatura R2 Matemática – </a:t>
-            </a:r>
-            <a:r>
-              <a:rPr lang="pt-BR" altLang="pt-BR" sz="2400" b="1" dirty="0">
-                <a:solidFill>
-                  <a:srgbClr val="FF0000"/>
-                </a:solidFill>
-                <a:latin typeface="Times New Roman" panose="02020603050405020304" pitchFamily="18" charset="0"/>
-                <a:cs typeface="Times New Roman" panose="02020603050405020304" pitchFamily="18" charset="0"/>
-              </a:rPr>
-              <a:t>Formatura 2022.1</a:t>
+              <a:rPr lang="pt-BR" altLang="pt-BR" sz="2400" dirty="0">
+                <a:latin typeface="Times New Roman" panose="02020603050405020304" pitchFamily="18" charset="0"/>
+                <a:cs typeface="Times New Roman" panose="02020603050405020304" pitchFamily="18" charset="0"/>
+              </a:rPr>
+              <a:t>Doutorando Aluno Especial Ciência da Computação - UFBA 2018.2</a:t>
             </a:r>
           </a:p>
           <a:p>
@@ -9731,24 +9657,32 @@
               <a:buChar char="ü"/>
             </a:pPr>
             <a:r>
+              <a:rPr lang="pt-BR" altLang="pt-BR" sz="2400" b="1" dirty="0" err="1">
+                <a:latin typeface="Times New Roman" panose="02020603050405020304" pitchFamily="18" charset="0"/>
+                <a:cs typeface="Times New Roman" panose="02020603050405020304" pitchFamily="18" charset="0"/>
+              </a:rPr>
+              <a:t>StrictoSensu-MSc</a:t>
+            </a:r>
+            <a:r>
               <a:rPr lang="pt-BR" altLang="pt-BR" sz="2400" b="1" dirty="0">
-                <a:solidFill>
-                  <a:srgbClr val="FF0000"/>
-                </a:solidFill>
-                <a:latin typeface="Times New Roman" panose="02020603050405020304" pitchFamily="18" charset="0"/>
-                <a:cs typeface="Times New Roman" panose="02020603050405020304" pitchFamily="18" charset="0"/>
-              </a:rPr>
-              <a:t>Doutorando Aluno Especial Ciência da Computação </a:t>
-            </a:r>
-            <a:r>
-              <a:rPr lang="pt-BR" altLang="pt-BR" sz="2000" b="1" dirty="0">
-                <a:solidFill>
-                  <a:srgbClr val="FF0000"/>
-                </a:solidFill>
-                <a:latin typeface="Times New Roman" panose="02020603050405020304" pitchFamily="18" charset="0"/>
-                <a:cs typeface="Times New Roman" panose="02020603050405020304" pitchFamily="18" charset="0"/>
-              </a:rPr>
-              <a:t>UFBA2018.2</a:t>
+                <a:latin typeface="Times New Roman" panose="02020603050405020304" pitchFamily="18" charset="0"/>
+                <a:cs typeface="Times New Roman" panose="02020603050405020304" pitchFamily="18" charset="0"/>
+              </a:rPr>
+              <a:t> em </a:t>
+            </a:r>
+            <a:r>
+              <a:rPr lang="pt-BR" altLang="pt-BR" sz="2400" b="1" dirty="0" err="1">
+                <a:latin typeface="Times New Roman" panose="02020603050405020304" pitchFamily="18" charset="0"/>
+                <a:cs typeface="Times New Roman" panose="02020603050405020304" pitchFamily="18" charset="0"/>
+              </a:rPr>
+              <a:t>Sist</a:t>
+            </a:r>
+            <a:r>
+              <a:rPr lang="pt-BR" altLang="pt-BR" sz="2400" b="1" dirty="0">
+                <a:latin typeface="Times New Roman" panose="02020603050405020304" pitchFamily="18" charset="0"/>
+                <a:cs typeface="Times New Roman" panose="02020603050405020304" pitchFamily="18" charset="0"/>
+              </a:rPr>
+              <a:t> e Computação - UNIFACS</a:t>
             </a:r>
           </a:p>
           <a:p>
@@ -9757,46 +9691,18 @@
               <a:buChar char="ü"/>
             </a:pPr>
             <a:r>
-              <a:rPr lang="pt-BR" altLang="pt-BR" sz="2400" dirty="0" err="1">
-                <a:latin typeface="Times New Roman" panose="02020603050405020304" pitchFamily="18" charset="0"/>
-                <a:cs typeface="Times New Roman" panose="02020603050405020304" pitchFamily="18" charset="0"/>
-              </a:rPr>
-              <a:t>MSc</a:t>
-            </a:r>
-            <a:r>
-              <a:rPr lang="pt-BR" altLang="pt-BR" sz="2400" dirty="0">
-                <a:latin typeface="Times New Roman" panose="02020603050405020304" pitchFamily="18" charset="0"/>
-                <a:cs typeface="Times New Roman" panose="02020603050405020304" pitchFamily="18" charset="0"/>
-              </a:rPr>
-              <a:t> em </a:t>
-            </a:r>
-            <a:r>
-              <a:rPr lang="pt-BR" altLang="pt-BR" sz="2400" dirty="0" err="1">
-                <a:latin typeface="Times New Roman" panose="02020603050405020304" pitchFamily="18" charset="0"/>
-                <a:cs typeface="Times New Roman" panose="02020603050405020304" pitchFamily="18" charset="0"/>
-              </a:rPr>
-              <a:t>Sist</a:t>
-            </a:r>
-            <a:r>
-              <a:rPr lang="pt-BR" altLang="pt-BR" sz="2400" dirty="0">
-                <a:latin typeface="Times New Roman" panose="02020603050405020304" pitchFamily="18" charset="0"/>
-                <a:cs typeface="Times New Roman" panose="02020603050405020304" pitchFamily="18" charset="0"/>
-              </a:rPr>
-              <a:t> e Computação – UNIFACS (</a:t>
-            </a:r>
-            <a:r>
-              <a:rPr lang="pt-BR" altLang="pt-BR" sz="2400" dirty="0" err="1">
-                <a:latin typeface="Times New Roman" panose="02020603050405020304" pitchFamily="18" charset="0"/>
-                <a:cs typeface="Times New Roman" panose="02020603050405020304" pitchFamily="18" charset="0"/>
-              </a:rPr>
-              <a:t>StrictoSensu</a:t>
-            </a:r>
-            <a:r>
-              <a:rPr lang="pt-BR" altLang="pt-BR" sz="2400" dirty="0">
-                <a:latin typeface="Times New Roman" panose="02020603050405020304" pitchFamily="18" charset="0"/>
-                <a:cs typeface="Times New Roman" panose="02020603050405020304" pitchFamily="18" charset="0"/>
-              </a:rPr>
-              <a:t>)</a:t>
+              <a:rPr lang="pt-BR" altLang="pt-BR" sz="2400" b="1" dirty="0" err="1">
+                <a:latin typeface="Times New Roman" panose="02020603050405020304" pitchFamily="18" charset="0"/>
+                <a:cs typeface="Times New Roman" panose="02020603050405020304" pitchFamily="18" charset="0"/>
+              </a:rPr>
+              <a:t>LatoSensu</a:t>
+            </a:r>
+            <a:r>
+              <a:rPr lang="pt-BR" altLang="pt-BR" sz="2400" b="1" dirty="0">
+                <a:latin typeface="Times New Roman" panose="02020603050405020304" pitchFamily="18" charset="0"/>
+                <a:cs typeface="Times New Roman" panose="02020603050405020304" pitchFamily="18" charset="0"/>
+              </a:rPr>
+              <a:t>-MBA Gestão de Informação - UNIFACS</a:t>
             </a:r>
           </a:p>
           <a:p>
@@ -9805,25 +9711,14 @@
               <a:buChar char="ü"/>
             </a:pPr>
             <a:r>
-              <a:rPr lang="pt-BR" altLang="pt-BR" sz="2400" dirty="0">
-                <a:latin typeface="Times New Roman" panose="02020603050405020304" pitchFamily="18" charset="0"/>
-                <a:cs typeface="Times New Roman" panose="02020603050405020304" pitchFamily="18" charset="0"/>
-              </a:rPr>
-              <a:t>MBA Gestão de Informação – UNIFACS (</a:t>
-            </a:r>
-            <a:r>
-              <a:rPr lang="pt-BR" altLang="pt-BR" sz="2400" dirty="0" err="1">
-                <a:latin typeface="Times New Roman" panose="02020603050405020304" pitchFamily="18" charset="0"/>
-                <a:cs typeface="Times New Roman" panose="02020603050405020304" pitchFamily="18" charset="0"/>
-              </a:rPr>
-              <a:t>LatoSensu</a:t>
-            </a:r>
-            <a:r>
-              <a:rPr lang="pt-BR" altLang="pt-BR" sz="2400" dirty="0">
-                <a:latin typeface="Times New Roman" panose="02020603050405020304" pitchFamily="18" charset="0"/>
-                <a:cs typeface="Times New Roman" panose="02020603050405020304" pitchFamily="18" charset="0"/>
-              </a:rPr>
-              <a:t>)</a:t>
+              <a:rPr lang="pt-BR" altLang="pt-BR" sz="2400" b="1" dirty="0">
+                <a:solidFill>
+                  <a:schemeClr val="accent4"/>
+                </a:solidFill>
+                <a:latin typeface="Times New Roman" panose="02020603050405020304" pitchFamily="18" charset="0"/>
+                <a:cs typeface="Times New Roman" panose="02020603050405020304" pitchFamily="18" charset="0"/>
+              </a:rPr>
+              <a:t>Engenheiro Eletricista - UNIRUY</a:t>
             </a:r>
           </a:p>
           <a:p>
@@ -9834,30 +9729,13 @@
             <a:r>
               <a:rPr lang="pt-BR" altLang="pt-BR" sz="2400" b="1" dirty="0">
                 <a:solidFill>
-                  <a:srgbClr val="FF0000"/>
-                </a:solidFill>
-                <a:latin typeface="Times New Roman" panose="02020603050405020304" pitchFamily="18" charset="0"/>
-                <a:cs typeface="Times New Roman" panose="02020603050405020304" pitchFamily="18" charset="0"/>
-              </a:rPr>
-              <a:t>Engenheiro Eletricista 9º Semestre - </a:t>
-            </a:r>
-            <a:r>
-              <a:rPr lang="pt-BR" altLang="pt-BR" sz="2400" b="1" dirty="0" err="1">
-                <a:solidFill>
-                  <a:srgbClr val="FF0000"/>
-                </a:solidFill>
-                <a:latin typeface="Times New Roman" panose="02020603050405020304" pitchFamily="18" charset="0"/>
-                <a:cs typeface="Times New Roman" panose="02020603050405020304" pitchFamily="18" charset="0"/>
-              </a:rPr>
-              <a:t>UniRuy</a:t>
-            </a:r>
-            <a:endParaRPr lang="pt-BR" altLang="pt-BR" sz="2400" b="1" dirty="0">
-              <a:solidFill>
-                <a:srgbClr val="FF0000"/>
-              </a:solidFill>
-              <a:latin typeface="Times New Roman" panose="02020603050405020304" pitchFamily="18" charset="0"/>
-              <a:cs typeface="Times New Roman" panose="02020603050405020304" pitchFamily="18" charset="0"/>
-            </a:endParaRPr>
+                  <a:srgbClr val="0070C0"/>
+                </a:solidFill>
+                <a:latin typeface="Times New Roman" panose="02020603050405020304" pitchFamily="18" charset="0"/>
+                <a:cs typeface="Times New Roman" panose="02020603050405020304" pitchFamily="18" charset="0"/>
+              </a:rPr>
+              <a:t>Licenciatura R2 Matemática</a:t>
+            </a:r>
           </a:p>
           <a:p>
             <a:pPr algn="just" eaLnBrk="0" hangingPunct="0">
@@ -9865,7 +9743,10 @@
               <a:buChar char="ü"/>
             </a:pPr>
             <a:r>
-              <a:rPr lang="pt-BR" altLang="pt-BR" sz="2400" dirty="0">
+              <a:rPr lang="pt-BR" altLang="pt-BR" sz="2400" b="1" dirty="0">
+                <a:solidFill>
+                  <a:srgbClr val="FF0000"/>
+                </a:solidFill>
                 <a:latin typeface="Times New Roman" panose="02020603050405020304" pitchFamily="18" charset="0"/>
                 <a:cs typeface="Times New Roman" panose="02020603050405020304" pitchFamily="18" charset="0"/>
               </a:rPr>
@@ -9878,15 +9759,18 @@
               <a:buChar char="ü"/>
             </a:pPr>
             <a:r>
-              <a:rPr lang="pt-BR" altLang="pt-BR" sz="2400" dirty="0">
+              <a:rPr lang="pt-BR" altLang="pt-BR" sz="2400" b="1" dirty="0">
+                <a:solidFill>
+                  <a:srgbClr val="00B050"/>
+                </a:solidFill>
                 <a:latin typeface="Times New Roman" panose="02020603050405020304" pitchFamily="18" charset="0"/>
                 <a:cs typeface="Times New Roman" panose="02020603050405020304" pitchFamily="18" charset="0"/>
               </a:rPr>
               <a:t>Processamento Dados Profissionalizante - EEEMBA</a:t>
             </a:r>
-            <a:endParaRPr lang="pt-BR" sz="2400" dirty="0">
+            <a:endParaRPr lang="pt-BR" sz="2400" b="1" dirty="0">
               <a:solidFill>
-                <a:schemeClr val="tx1"/>
+                <a:srgbClr val="00B050"/>
               </a:solidFill>
               <a:latin typeface="Times New Roman" panose="02020603050405020304" pitchFamily="18" charset="0"/>
               <a:cs typeface="Times New Roman" panose="02020603050405020304" pitchFamily="18" charset="0"/>
